--- a/model/素材/3.1.2_パッケージの役割.pptx
+++ b/model/素材/3.1.2_パッケージの役割.pptx
@@ -259,7 +259,7 @@
           <a:p>
             <a:fld id="{D19E4E15-3BC5-45B9-8454-684F40C4C011}" type="datetimeFigureOut">
               <a:rPr kumimoji="1" lang="ja-JP" altLang="en-US" smtClean="0"/>
-              <a:t>2025/8/13</a:t>
+              <a:t>2025/8/19</a:t>
             </a:fld>
             <a:endParaRPr kumimoji="1" lang="ja-JP" altLang="en-US"/>
           </a:p>
@@ -489,7 +489,7 @@
           <a:p>
             <a:fld id="{D19E4E15-3BC5-45B9-8454-684F40C4C011}" type="datetimeFigureOut">
               <a:rPr kumimoji="1" lang="ja-JP" altLang="en-US" smtClean="0"/>
-              <a:t>2025/8/13</a:t>
+              <a:t>2025/8/19</a:t>
             </a:fld>
             <a:endParaRPr kumimoji="1" lang="ja-JP" altLang="en-US"/>
           </a:p>
@@ -729,7 +729,7 @@
           <a:p>
             <a:fld id="{D19E4E15-3BC5-45B9-8454-684F40C4C011}" type="datetimeFigureOut">
               <a:rPr kumimoji="1" lang="ja-JP" altLang="en-US" smtClean="0"/>
-              <a:t>2025/8/13</a:t>
+              <a:t>2025/8/19</a:t>
             </a:fld>
             <a:endParaRPr kumimoji="1" lang="ja-JP" altLang="en-US"/>
           </a:p>
@@ -959,7 +959,7 @@
           <a:p>
             <a:fld id="{D19E4E15-3BC5-45B9-8454-684F40C4C011}" type="datetimeFigureOut">
               <a:rPr kumimoji="1" lang="ja-JP" altLang="en-US" smtClean="0"/>
-              <a:t>2025/8/13</a:t>
+              <a:t>2025/8/19</a:t>
             </a:fld>
             <a:endParaRPr kumimoji="1" lang="ja-JP" altLang="en-US"/>
           </a:p>
@@ -1234,7 +1234,7 @@
           <a:p>
             <a:fld id="{D19E4E15-3BC5-45B9-8454-684F40C4C011}" type="datetimeFigureOut">
               <a:rPr kumimoji="1" lang="ja-JP" altLang="en-US" smtClean="0"/>
-              <a:t>2025/8/13</a:t>
+              <a:t>2025/8/19</a:t>
             </a:fld>
             <a:endParaRPr kumimoji="1" lang="ja-JP" altLang="en-US"/>
           </a:p>
@@ -1563,7 +1563,7 @@
           <a:p>
             <a:fld id="{D19E4E15-3BC5-45B9-8454-684F40C4C011}" type="datetimeFigureOut">
               <a:rPr kumimoji="1" lang="ja-JP" altLang="en-US" smtClean="0"/>
-              <a:t>2025/8/13</a:t>
+              <a:t>2025/8/19</a:t>
             </a:fld>
             <a:endParaRPr kumimoji="1" lang="ja-JP" altLang="en-US"/>
           </a:p>
@@ -2039,7 +2039,7 @@
           <a:p>
             <a:fld id="{D19E4E15-3BC5-45B9-8454-684F40C4C011}" type="datetimeFigureOut">
               <a:rPr kumimoji="1" lang="ja-JP" altLang="en-US" smtClean="0"/>
-              <a:t>2025/8/13</a:t>
+              <a:t>2025/8/19</a:t>
             </a:fld>
             <a:endParaRPr kumimoji="1" lang="ja-JP" altLang="en-US"/>
           </a:p>
@@ -2180,7 +2180,7 @@
           <a:p>
             <a:fld id="{D19E4E15-3BC5-45B9-8454-684F40C4C011}" type="datetimeFigureOut">
               <a:rPr kumimoji="1" lang="ja-JP" altLang="en-US" smtClean="0"/>
-              <a:t>2025/8/13</a:t>
+              <a:t>2025/8/19</a:t>
             </a:fld>
             <a:endParaRPr kumimoji="1" lang="ja-JP" altLang="en-US"/>
           </a:p>
@@ -2293,7 +2293,7 @@
           <a:p>
             <a:fld id="{D19E4E15-3BC5-45B9-8454-684F40C4C011}" type="datetimeFigureOut">
               <a:rPr kumimoji="1" lang="ja-JP" altLang="en-US" smtClean="0"/>
-              <a:t>2025/8/13</a:t>
+              <a:t>2025/8/19</a:t>
             </a:fld>
             <a:endParaRPr kumimoji="1" lang="ja-JP" altLang="en-US"/>
           </a:p>
@@ -2636,7 +2636,7 @@
           <a:p>
             <a:fld id="{D19E4E15-3BC5-45B9-8454-684F40C4C011}" type="datetimeFigureOut">
               <a:rPr kumimoji="1" lang="ja-JP" altLang="en-US" smtClean="0"/>
-              <a:t>2025/8/13</a:t>
+              <a:t>2025/8/19</a:t>
             </a:fld>
             <a:endParaRPr kumimoji="1" lang="ja-JP" altLang="en-US"/>
           </a:p>
@@ -2924,7 +2924,7 @@
           <a:p>
             <a:fld id="{D19E4E15-3BC5-45B9-8454-684F40C4C011}" type="datetimeFigureOut">
               <a:rPr kumimoji="1" lang="ja-JP" altLang="en-US" smtClean="0"/>
-              <a:t>2025/8/13</a:t>
+              <a:t>2025/8/19</a:t>
             </a:fld>
             <a:endParaRPr kumimoji="1" lang="ja-JP" altLang="en-US"/>
           </a:p>
@@ -3197,7 +3197,7 @@
           <a:p>
             <a:fld id="{D19E4E15-3BC5-45B9-8454-684F40C4C011}" type="datetimeFigureOut">
               <a:rPr kumimoji="1" lang="ja-JP" altLang="en-US" smtClean="0"/>
-              <a:t>2025/8/13</a:t>
+              <a:t>2025/8/19</a:t>
             </a:fld>
             <a:endParaRPr kumimoji="1" lang="ja-JP" altLang="en-US"/>
           </a:p>
@@ -3629,14 +3629,14 @@
           <p:nvPr>
             <p:extLst>
               <p:ext uri="{D42A27DB-BD31-4B8C-83A1-F6EECF244321}">
-                <p14:modId xmlns:p14="http://schemas.microsoft.com/office/powerpoint/2010/main" val="1316272771"/>
+                <p14:modId xmlns:p14="http://schemas.microsoft.com/office/powerpoint/2010/main" val="320000118"/>
               </p:ext>
             </p:extLst>
           </p:nvPr>
         </p:nvGraphicFramePr>
         <p:xfrm>
-          <a:off x="386119" y="575692"/>
-          <a:ext cx="9679901" cy="1973402"/>
+          <a:off x="223925" y="1363989"/>
+          <a:ext cx="11744150" cy="1885845"/>
         </p:xfrm>
         <a:graphic>
           <a:graphicData uri="http://schemas.openxmlformats.org/drawingml/2006/table">
@@ -3666,7 +3666,7 @@
                     </a:ext>
                   </a:extLst>
                 </a:gridCol>
-                <a:gridCol w="3131820">
+                <a:gridCol w="5196069">
                   <a:extLst>
                     <a:ext uri="{9D8B030D-6E8A-4147-A177-3AD203B41FA5}">
                       <a16:colId xmlns:a16="http://schemas.microsoft.com/office/drawing/2014/main" val="3524397271"/>
@@ -3674,12 +3674,13 @@
                   </a:extLst>
                 </a:gridCol>
               </a:tblGrid>
-              <a:tr h="352896">
+              <a:tr h="271015">
                 <a:tc>
                   <a:txBody>
                     <a:bodyPr/>
                     <a:lstStyle/>
                     <a:p>
+                      <a:pPr algn="ctr"/>
                       <a:r>
                         <a:rPr kumimoji="1" lang="ja-JP" altLang="en-US" sz="1200" b="1" dirty="0"/>
                         <a:t>システム名</a:t>
@@ -3736,6 +3737,7 @@
                     <a:bodyPr/>
                     <a:lstStyle/>
                     <a:p>
+                      <a:pPr algn="ctr"/>
                       <a:r>
                         <a:rPr kumimoji="1" lang="ja-JP" altLang="en-US" sz="1200" b="1" dirty="0"/>
                         <a:t>パッケージ名</a:t>
@@ -3791,6 +3793,7 @@
                     <a:bodyPr/>
                     <a:lstStyle/>
                     <a:p>
+                      <a:pPr algn="ctr"/>
                       <a:r>
                         <a:rPr kumimoji="1" lang="ja-JP" altLang="en-US" sz="1200" b="1" dirty="0"/>
                         <a:t>役割</a:t>
@@ -3847,6 +3850,7 @@
                     <a:bodyPr/>
                     <a:lstStyle/>
                     <a:p>
+                      <a:pPr algn="ctr"/>
                       <a:r>
                         <a:rPr kumimoji="1" lang="ja-JP" altLang="en-US" sz="1200" b="1" dirty="0"/>
                         <a:t>対応ユースケース番号</a:t>
@@ -3904,7 +3908,7 @@
                   </a:ext>
                 </a:extLst>
               </a:tr>
-              <a:tr h="229652">
+              <a:tr h="255959">
                 <a:tc>
                   <a:txBody>
                     <a:bodyPr/>
@@ -4024,7 +4028,7 @@
                             </a:schemeClr>
                           </a:solidFill>
                         </a:rPr>
-                        <a:t>目的地までの走行と進路決定の制御を行う。</a:t>
+                        <a:t>目的地までの走行と進路決定を行う。</a:t>
                       </a:r>
                       <a:endParaRPr kumimoji="1" lang="en-US" altLang="ja-JP" sz="1100" b="1" dirty="0">
                         <a:solidFill>
@@ -4087,7 +4091,7 @@
                             </a:schemeClr>
                           </a:solidFill>
                         </a:rPr>
-                        <a:t>UC_001</a:t>
+                        <a:t>UC_VD_01</a:t>
                       </a:r>
                     </a:p>
                   </a:txBody>
@@ -4136,7 +4140,7 @@
                   </a:ext>
                 </a:extLst>
               </a:tr>
-              <a:tr h="261047">
+              <a:tr h="257902">
                 <a:tc>
                   <a:txBody>
                     <a:bodyPr/>
@@ -4312,7 +4316,7 @@
                             </a:schemeClr>
                           </a:solidFill>
                         </a:rPr>
-                        <a:t>UC_002,</a:t>
+                        <a:t>UC_VD_02,</a:t>
                       </a:r>
                       <a:r>
                         <a:rPr kumimoji="1" lang="ja-JP" altLang="en-US" sz="1100" b="1" dirty="0">
@@ -4332,7 +4336,7 @@
                             </a:schemeClr>
                           </a:solidFill>
                         </a:rPr>
-                        <a:t>UC_003, </a:t>
+                        <a:t>UC_VD_03, </a:t>
                       </a:r>
                       <a:r>
                         <a:rPr kumimoji="1" lang="ja-JP" altLang="en-US" sz="1100" b="1" dirty="0">
@@ -4352,7 +4356,7 @@
                             </a:schemeClr>
                           </a:solidFill>
                         </a:rPr>
-                        <a:t>UC_001</a:t>
+                        <a:t>UC_VD_01</a:t>
                       </a:r>
                       <a:endParaRPr kumimoji="1" lang="ja-JP" altLang="en-US" sz="1100" b="1" dirty="0">
                         <a:solidFill>
@@ -4408,7 +4412,7 @@
                   </a:ext>
                 </a:extLst>
               </a:tr>
-              <a:tr h="265518">
+              <a:tr h="262319">
                 <a:tc>
                   <a:txBody>
                     <a:bodyPr/>
@@ -4578,7 +4582,7 @@
                             <a:srgbClr val="002060"/>
                           </a:solidFill>
                         </a:rPr>
-                        <a:t>UC_004, UC_005</a:t>
+                        <a:t>UC_VD_04, UC_VD_05</a:t>
                       </a:r>
                       <a:endParaRPr kumimoji="1" lang="ja-JP" altLang="en-US" sz="1100" b="1" dirty="0">
                         <a:solidFill>
@@ -4632,7 +4636,7 @@
                   </a:ext>
                 </a:extLst>
               </a:tr>
-              <a:tr h="253795">
+              <a:tr h="255959">
                 <a:tc>
                   <a:txBody>
                     <a:bodyPr/>
@@ -4759,7 +4763,7 @@
                             </a:schemeClr>
                           </a:solidFill>
                         </a:rPr>
-                        <a:t>モータへの駆動指示を行う。</a:t>
+                        <a:t>デバイスへの駆動指示を出す。</a:t>
                       </a:r>
                     </a:p>
                   </a:txBody>
@@ -4815,7 +4819,7 @@
                             </a:schemeClr>
                           </a:solidFill>
                         </a:rPr>
-                        <a:t>UC_007, UC_008, (UC_006), UC_012</a:t>
+                        <a:t>UC_DS_01, UC_DS_02, UC_DS_03, UC_DS_07</a:t>
                       </a:r>
                       <a:endParaRPr kumimoji="1" lang="ja-JP" altLang="en-US" sz="1100" b="1" dirty="0">
                         <a:solidFill>
@@ -4879,7 +4883,7 @@
                   </a:ext>
                 </a:extLst>
               </a:tr>
-              <a:tr h="316701">
+              <a:tr h="312886">
                 <a:tc>
                   <a:txBody>
                     <a:bodyPr/>
@@ -4995,7 +4999,7 @@
                             <a:srgbClr val="C00000"/>
                           </a:solidFill>
                         </a:rPr>
-                        <a:t>各種センサの値から特定の状況を検知する。</a:t>
+                        <a:t>デバイスから取得した値をもとに、特定の状況を検知する。</a:t>
                       </a:r>
                       <a:endParaRPr kumimoji="1" lang="en-US" altLang="ja-JP" sz="1100" b="1" dirty="0">
                         <a:solidFill>
@@ -5054,13 +5058,24 @@
                             <a:srgbClr val="C00000"/>
                           </a:solidFill>
                         </a:rPr>
-                        <a:t>UC_009, UC_010, UC_011, UC_013, UC_014</a:t>
+                        <a:t>UC_DS_04, UC_DS_05, UC_DS_06, UC_DS_08, UC_DS_09, </a:t>
                       </a:r>
-                      <a:endParaRPr kumimoji="1" lang="ja-JP" altLang="en-US" sz="1100" b="1" dirty="0">
-                        <a:solidFill>
-                          <a:srgbClr val="C00000"/>
-                        </a:solidFill>
-                      </a:endParaRPr>
+                      <a:r>
+                        <a:rPr kumimoji="1" lang="ja-JP" altLang="en-US" sz="1100" b="1" dirty="0">
+                          <a:solidFill>
+                            <a:srgbClr val="C00000"/>
+                          </a:solidFill>
+                        </a:rPr>
+                        <a:t>緩和</a:t>
+                      </a:r>
+                      <a:r>
+                        <a:rPr kumimoji="1" lang="en-US" altLang="ja-JP" sz="1100" b="1" dirty="0">
+                          <a:solidFill>
+                            <a:srgbClr val="C00000"/>
+                          </a:solidFill>
+                        </a:rPr>
+                        <a:t>UC_DS_01</a:t>
+                      </a:r>
                     </a:p>
                   </a:txBody>
                   <a:tcPr>
@@ -5108,7 +5123,7 @@
                   </a:ext>
                 </a:extLst>
               </a:tr>
-              <a:tr h="239968">
+              <a:tr h="255959">
                 <a:tc>
                   <a:txBody>
                     <a:bodyPr/>
@@ -5224,7 +5239,7 @@
                             <a:srgbClr val="7030A0"/>
                           </a:solidFill>
                         </a:rPr>
-                        <a:t>各種センサ、モータへの入出力を行う。</a:t>
+                        <a:t>各種センサ、モーターへの入出力を行う。</a:t>
                       </a:r>
                       <a:endParaRPr kumimoji="1" lang="en-US" altLang="ja-JP" sz="1100" b="1" dirty="0">
                         <a:solidFill>

--- a/model/素材/3.1.2_パッケージの役割.pptx
+++ b/model/素材/3.1.2_パッケージの役割.pptx
@@ -259,7 +259,7 @@
           <a:p>
             <a:fld id="{D19E4E15-3BC5-45B9-8454-684F40C4C011}" type="datetimeFigureOut">
               <a:rPr kumimoji="1" lang="ja-JP" altLang="en-US" smtClean="0"/>
-              <a:t>2025/8/19</a:t>
+              <a:t>2025/8/24</a:t>
             </a:fld>
             <a:endParaRPr kumimoji="1" lang="ja-JP" altLang="en-US"/>
           </a:p>
@@ -489,7 +489,7 @@
           <a:p>
             <a:fld id="{D19E4E15-3BC5-45B9-8454-684F40C4C011}" type="datetimeFigureOut">
               <a:rPr kumimoji="1" lang="ja-JP" altLang="en-US" smtClean="0"/>
-              <a:t>2025/8/19</a:t>
+              <a:t>2025/8/24</a:t>
             </a:fld>
             <a:endParaRPr kumimoji="1" lang="ja-JP" altLang="en-US"/>
           </a:p>
@@ -729,7 +729,7 @@
           <a:p>
             <a:fld id="{D19E4E15-3BC5-45B9-8454-684F40C4C011}" type="datetimeFigureOut">
               <a:rPr kumimoji="1" lang="ja-JP" altLang="en-US" smtClean="0"/>
-              <a:t>2025/8/19</a:t>
+              <a:t>2025/8/24</a:t>
             </a:fld>
             <a:endParaRPr kumimoji="1" lang="ja-JP" altLang="en-US"/>
           </a:p>
@@ -959,7 +959,7 @@
           <a:p>
             <a:fld id="{D19E4E15-3BC5-45B9-8454-684F40C4C011}" type="datetimeFigureOut">
               <a:rPr kumimoji="1" lang="ja-JP" altLang="en-US" smtClean="0"/>
-              <a:t>2025/8/19</a:t>
+              <a:t>2025/8/24</a:t>
             </a:fld>
             <a:endParaRPr kumimoji="1" lang="ja-JP" altLang="en-US"/>
           </a:p>
@@ -1234,7 +1234,7 @@
           <a:p>
             <a:fld id="{D19E4E15-3BC5-45B9-8454-684F40C4C011}" type="datetimeFigureOut">
               <a:rPr kumimoji="1" lang="ja-JP" altLang="en-US" smtClean="0"/>
-              <a:t>2025/8/19</a:t>
+              <a:t>2025/8/24</a:t>
             </a:fld>
             <a:endParaRPr kumimoji="1" lang="ja-JP" altLang="en-US"/>
           </a:p>
@@ -1563,7 +1563,7 @@
           <a:p>
             <a:fld id="{D19E4E15-3BC5-45B9-8454-684F40C4C011}" type="datetimeFigureOut">
               <a:rPr kumimoji="1" lang="ja-JP" altLang="en-US" smtClean="0"/>
-              <a:t>2025/8/19</a:t>
+              <a:t>2025/8/24</a:t>
             </a:fld>
             <a:endParaRPr kumimoji="1" lang="ja-JP" altLang="en-US"/>
           </a:p>
@@ -2039,7 +2039,7 @@
           <a:p>
             <a:fld id="{D19E4E15-3BC5-45B9-8454-684F40C4C011}" type="datetimeFigureOut">
               <a:rPr kumimoji="1" lang="ja-JP" altLang="en-US" smtClean="0"/>
-              <a:t>2025/8/19</a:t>
+              <a:t>2025/8/24</a:t>
             </a:fld>
             <a:endParaRPr kumimoji="1" lang="ja-JP" altLang="en-US"/>
           </a:p>
@@ -2180,7 +2180,7 @@
           <a:p>
             <a:fld id="{D19E4E15-3BC5-45B9-8454-684F40C4C011}" type="datetimeFigureOut">
               <a:rPr kumimoji="1" lang="ja-JP" altLang="en-US" smtClean="0"/>
-              <a:t>2025/8/19</a:t>
+              <a:t>2025/8/24</a:t>
             </a:fld>
             <a:endParaRPr kumimoji="1" lang="ja-JP" altLang="en-US"/>
           </a:p>
@@ -2293,7 +2293,7 @@
           <a:p>
             <a:fld id="{D19E4E15-3BC5-45B9-8454-684F40C4C011}" type="datetimeFigureOut">
               <a:rPr kumimoji="1" lang="ja-JP" altLang="en-US" smtClean="0"/>
-              <a:t>2025/8/19</a:t>
+              <a:t>2025/8/24</a:t>
             </a:fld>
             <a:endParaRPr kumimoji="1" lang="ja-JP" altLang="en-US"/>
           </a:p>
@@ -2636,7 +2636,7 @@
           <a:p>
             <a:fld id="{D19E4E15-3BC5-45B9-8454-684F40C4C011}" type="datetimeFigureOut">
               <a:rPr kumimoji="1" lang="ja-JP" altLang="en-US" smtClean="0"/>
-              <a:t>2025/8/19</a:t>
+              <a:t>2025/8/24</a:t>
             </a:fld>
             <a:endParaRPr kumimoji="1" lang="ja-JP" altLang="en-US"/>
           </a:p>
@@ -2924,7 +2924,7 @@
           <a:p>
             <a:fld id="{D19E4E15-3BC5-45B9-8454-684F40C4C011}" type="datetimeFigureOut">
               <a:rPr kumimoji="1" lang="ja-JP" altLang="en-US" smtClean="0"/>
-              <a:t>2025/8/19</a:t>
+              <a:t>2025/8/24</a:t>
             </a:fld>
             <a:endParaRPr kumimoji="1" lang="ja-JP" altLang="en-US"/>
           </a:p>
@@ -3197,7 +3197,7 @@
           <a:p>
             <a:fld id="{D19E4E15-3BC5-45B9-8454-684F40C4C011}" type="datetimeFigureOut">
               <a:rPr kumimoji="1" lang="ja-JP" altLang="en-US" smtClean="0"/>
-              <a:t>2025/8/19</a:t>
+              <a:t>2025/8/24</a:t>
             </a:fld>
             <a:endParaRPr kumimoji="1" lang="ja-JP" altLang="en-US"/>
           </a:p>
@@ -3629,7 +3629,7 @@
           <p:nvPr>
             <p:extLst>
               <p:ext uri="{D42A27DB-BD31-4B8C-83A1-F6EECF244321}">
-                <p14:modId xmlns:p14="http://schemas.microsoft.com/office/powerpoint/2010/main" val="320000118"/>
+                <p14:modId xmlns:p14="http://schemas.microsoft.com/office/powerpoint/2010/main" val="3176893348"/>
               </p:ext>
             </p:extLst>
           </p:nvPr>
@@ -3683,7 +3683,7 @@
                       <a:pPr algn="ctr"/>
                       <a:r>
                         <a:rPr kumimoji="1" lang="ja-JP" altLang="en-US" sz="1200" b="1" dirty="0"/>
-                        <a:t>システム名</a:t>
+                        <a:t>サブシステム名</a:t>
                       </a:r>
                       <a:endParaRPr kumimoji="1" lang="en-US" altLang="ja-JP" sz="1200" b="1" dirty="0"/>
                     </a:p>

--- a/model/素材/3.1.2_パッケージの役割.pptx
+++ b/model/素材/3.1.2_パッケージの役割.pptx
@@ -259,7 +259,7 @@
           <a:p>
             <a:fld id="{D19E4E15-3BC5-45B9-8454-684F40C4C011}" type="datetimeFigureOut">
               <a:rPr kumimoji="1" lang="ja-JP" altLang="en-US" smtClean="0"/>
-              <a:t>2025/8/24</a:t>
+              <a:t>2025/8/26</a:t>
             </a:fld>
             <a:endParaRPr kumimoji="1" lang="ja-JP" altLang="en-US"/>
           </a:p>
@@ -489,7 +489,7 @@
           <a:p>
             <a:fld id="{D19E4E15-3BC5-45B9-8454-684F40C4C011}" type="datetimeFigureOut">
               <a:rPr kumimoji="1" lang="ja-JP" altLang="en-US" smtClean="0"/>
-              <a:t>2025/8/24</a:t>
+              <a:t>2025/8/26</a:t>
             </a:fld>
             <a:endParaRPr kumimoji="1" lang="ja-JP" altLang="en-US"/>
           </a:p>
@@ -729,7 +729,7 @@
           <a:p>
             <a:fld id="{D19E4E15-3BC5-45B9-8454-684F40C4C011}" type="datetimeFigureOut">
               <a:rPr kumimoji="1" lang="ja-JP" altLang="en-US" smtClean="0"/>
-              <a:t>2025/8/24</a:t>
+              <a:t>2025/8/26</a:t>
             </a:fld>
             <a:endParaRPr kumimoji="1" lang="ja-JP" altLang="en-US"/>
           </a:p>
@@ -959,7 +959,7 @@
           <a:p>
             <a:fld id="{D19E4E15-3BC5-45B9-8454-684F40C4C011}" type="datetimeFigureOut">
               <a:rPr kumimoji="1" lang="ja-JP" altLang="en-US" smtClean="0"/>
-              <a:t>2025/8/24</a:t>
+              <a:t>2025/8/26</a:t>
             </a:fld>
             <a:endParaRPr kumimoji="1" lang="ja-JP" altLang="en-US"/>
           </a:p>
@@ -1234,7 +1234,7 @@
           <a:p>
             <a:fld id="{D19E4E15-3BC5-45B9-8454-684F40C4C011}" type="datetimeFigureOut">
               <a:rPr kumimoji="1" lang="ja-JP" altLang="en-US" smtClean="0"/>
-              <a:t>2025/8/24</a:t>
+              <a:t>2025/8/26</a:t>
             </a:fld>
             <a:endParaRPr kumimoji="1" lang="ja-JP" altLang="en-US"/>
           </a:p>
@@ -1563,7 +1563,7 @@
           <a:p>
             <a:fld id="{D19E4E15-3BC5-45B9-8454-684F40C4C011}" type="datetimeFigureOut">
               <a:rPr kumimoji="1" lang="ja-JP" altLang="en-US" smtClean="0"/>
-              <a:t>2025/8/24</a:t>
+              <a:t>2025/8/26</a:t>
             </a:fld>
             <a:endParaRPr kumimoji="1" lang="ja-JP" altLang="en-US"/>
           </a:p>
@@ -2039,7 +2039,7 @@
           <a:p>
             <a:fld id="{D19E4E15-3BC5-45B9-8454-684F40C4C011}" type="datetimeFigureOut">
               <a:rPr kumimoji="1" lang="ja-JP" altLang="en-US" smtClean="0"/>
-              <a:t>2025/8/24</a:t>
+              <a:t>2025/8/26</a:t>
             </a:fld>
             <a:endParaRPr kumimoji="1" lang="ja-JP" altLang="en-US"/>
           </a:p>
@@ -2180,7 +2180,7 @@
           <a:p>
             <a:fld id="{D19E4E15-3BC5-45B9-8454-684F40C4C011}" type="datetimeFigureOut">
               <a:rPr kumimoji="1" lang="ja-JP" altLang="en-US" smtClean="0"/>
-              <a:t>2025/8/24</a:t>
+              <a:t>2025/8/26</a:t>
             </a:fld>
             <a:endParaRPr kumimoji="1" lang="ja-JP" altLang="en-US"/>
           </a:p>
@@ -2293,7 +2293,7 @@
           <a:p>
             <a:fld id="{D19E4E15-3BC5-45B9-8454-684F40C4C011}" type="datetimeFigureOut">
               <a:rPr kumimoji="1" lang="ja-JP" altLang="en-US" smtClean="0"/>
-              <a:t>2025/8/24</a:t>
+              <a:t>2025/8/26</a:t>
             </a:fld>
             <a:endParaRPr kumimoji="1" lang="ja-JP" altLang="en-US"/>
           </a:p>
@@ -2636,7 +2636,7 @@
           <a:p>
             <a:fld id="{D19E4E15-3BC5-45B9-8454-684F40C4C011}" type="datetimeFigureOut">
               <a:rPr kumimoji="1" lang="ja-JP" altLang="en-US" smtClean="0"/>
-              <a:t>2025/8/24</a:t>
+              <a:t>2025/8/26</a:t>
             </a:fld>
             <a:endParaRPr kumimoji="1" lang="ja-JP" altLang="en-US"/>
           </a:p>
@@ -2924,7 +2924,7 @@
           <a:p>
             <a:fld id="{D19E4E15-3BC5-45B9-8454-684F40C4C011}" type="datetimeFigureOut">
               <a:rPr kumimoji="1" lang="ja-JP" altLang="en-US" smtClean="0"/>
-              <a:t>2025/8/24</a:t>
+              <a:t>2025/8/26</a:t>
             </a:fld>
             <a:endParaRPr kumimoji="1" lang="ja-JP" altLang="en-US"/>
           </a:p>
@@ -3197,7 +3197,7 @@
           <a:p>
             <a:fld id="{D19E4E15-3BC5-45B9-8454-684F40C4C011}" type="datetimeFigureOut">
               <a:rPr kumimoji="1" lang="ja-JP" altLang="en-US" smtClean="0"/>
-              <a:t>2025/8/24</a:t>
+              <a:t>2025/8/26</a:t>
             </a:fld>
             <a:endParaRPr kumimoji="1" lang="ja-JP" altLang="en-US"/>
           </a:p>
@@ -3629,7 +3629,7 @@
           <p:nvPr>
             <p:extLst>
               <p:ext uri="{D42A27DB-BD31-4B8C-83A1-F6EECF244321}">
-                <p14:modId xmlns:p14="http://schemas.microsoft.com/office/powerpoint/2010/main" val="3176893348"/>
+                <p14:modId xmlns:p14="http://schemas.microsoft.com/office/powerpoint/2010/main" val="3960145759"/>
               </p:ext>
             </p:extLst>
           </p:nvPr>
@@ -4028,7 +4028,7 @@
                             </a:schemeClr>
                           </a:solidFill>
                         </a:rPr>
-                        <a:t>目的地までの走行と進路決定を行う。</a:t>
+                        <a:t>目的地までの走行と進路決定を行う</a:t>
                       </a:r>
                       <a:endParaRPr kumimoji="1" lang="en-US" altLang="ja-JP" sz="1100" b="1" dirty="0">
                         <a:solidFill>
@@ -4260,7 +4260,7 @@
                             </a:schemeClr>
                           </a:solidFill>
                         </a:rPr>
-                        <a:t>走行方式に沿って走行システムの駆動を制御する。</a:t>
+                        <a:t>走行方式に沿って走行システムの駆動を制御する</a:t>
                       </a:r>
                     </a:p>
                   </a:txBody>
@@ -4528,7 +4528,7 @@
                             <a:srgbClr val="002060"/>
                           </a:solidFill>
                         </a:rPr>
-                        <a:t>走行システムの知覚情報とマップ情報をもとに進路を決定する。</a:t>
+                        <a:t>走行システムの知覚情報とマップ情報をもとに進路を決定する</a:t>
                       </a:r>
                     </a:p>
                   </a:txBody>
@@ -4763,7 +4763,7 @@
                             </a:schemeClr>
                           </a:solidFill>
                         </a:rPr>
-                        <a:t>デバイスへの駆動指示を出す。</a:t>
+                        <a:t>デバイスへの駆動指示を出す</a:t>
                       </a:r>
                     </a:p>
                   </a:txBody>
@@ -4999,7 +4999,7 @@
                             <a:srgbClr val="C00000"/>
                           </a:solidFill>
                         </a:rPr>
-                        <a:t>デバイスから取得した値をもとに、特定の状況を検知する。</a:t>
+                        <a:t>デバイスから取得した値をもとに特定の状況を検知する</a:t>
                       </a:r>
                       <a:endParaRPr kumimoji="1" lang="en-US" altLang="ja-JP" sz="1100" b="1" dirty="0">
                         <a:solidFill>
@@ -5239,7 +5239,7 @@
                             <a:srgbClr val="7030A0"/>
                           </a:solidFill>
                         </a:rPr>
-                        <a:t>各種センサ、モーターへの入出力を行う。</a:t>
+                        <a:t>センサとモーターへの入出力を行う</a:t>
                       </a:r>
                       <a:endParaRPr kumimoji="1" lang="en-US" altLang="ja-JP" sz="1100" b="1" dirty="0">
                         <a:solidFill>
